--- a/Figs/aartfaac_control_system.pptx
+++ b/Figs/aartfaac_control_system.pptx
@@ -192,7 +192,7 @@
           <a:p>
             <a:fld id="{DF54E8F4-3E71-0D48-A731-9B5E7BAD451C}" type="datetimeFigureOut">
               <a:rPr lang="en-US" smtClean="0"/>
-              <a:t>14/08/16</a:t>
+              <a:t>15/08/16</a:t>
             </a:fld>
             <a:endParaRPr lang="en-US"/>
           </a:p>
@@ -730,7 +730,7 @@
           <a:p>
             <a:fld id="{102249FA-FEA2-7D4D-AC76-40225418C04C}" type="datetimeFigureOut">
               <a:rPr lang="en-US" smtClean="0"/>
-              <a:t>14/08/16</a:t>
+              <a:t>15/08/16</a:t>
             </a:fld>
             <a:endParaRPr lang="en-US"/>
           </a:p>
@@ -900,7 +900,7 @@
           <a:p>
             <a:fld id="{102249FA-FEA2-7D4D-AC76-40225418C04C}" type="datetimeFigureOut">
               <a:rPr lang="en-US" smtClean="0"/>
-              <a:t>14/08/16</a:t>
+              <a:t>15/08/16</a:t>
             </a:fld>
             <a:endParaRPr lang="en-US"/>
           </a:p>
@@ -1080,7 +1080,7 @@
           <a:p>
             <a:fld id="{102249FA-FEA2-7D4D-AC76-40225418C04C}" type="datetimeFigureOut">
               <a:rPr lang="en-US" smtClean="0"/>
-              <a:t>14/08/16</a:t>
+              <a:t>15/08/16</a:t>
             </a:fld>
             <a:endParaRPr lang="en-US"/>
           </a:p>
@@ -1250,7 +1250,7 @@
           <a:p>
             <a:fld id="{102249FA-FEA2-7D4D-AC76-40225418C04C}" type="datetimeFigureOut">
               <a:rPr lang="en-US" smtClean="0"/>
-              <a:t>14/08/16</a:t>
+              <a:t>15/08/16</a:t>
             </a:fld>
             <a:endParaRPr lang="en-US"/>
           </a:p>
@@ -1496,7 +1496,7 @@
           <a:p>
             <a:fld id="{102249FA-FEA2-7D4D-AC76-40225418C04C}" type="datetimeFigureOut">
               <a:rPr lang="en-US" smtClean="0"/>
-              <a:t>14/08/16</a:t>
+              <a:t>15/08/16</a:t>
             </a:fld>
             <a:endParaRPr lang="en-US"/>
           </a:p>
@@ -1784,7 +1784,7 @@
           <a:p>
             <a:fld id="{102249FA-FEA2-7D4D-AC76-40225418C04C}" type="datetimeFigureOut">
               <a:rPr lang="en-US" smtClean="0"/>
-              <a:t>14/08/16</a:t>
+              <a:t>15/08/16</a:t>
             </a:fld>
             <a:endParaRPr lang="en-US"/>
           </a:p>
@@ -2211,7 +2211,7 @@
           <a:p>
             <a:fld id="{102249FA-FEA2-7D4D-AC76-40225418C04C}" type="datetimeFigureOut">
               <a:rPr lang="en-US" smtClean="0"/>
-              <a:t>14/08/16</a:t>
+              <a:t>15/08/16</a:t>
             </a:fld>
             <a:endParaRPr lang="en-US"/>
           </a:p>
@@ -2329,7 +2329,7 @@
           <a:p>
             <a:fld id="{102249FA-FEA2-7D4D-AC76-40225418C04C}" type="datetimeFigureOut">
               <a:rPr lang="en-US" smtClean="0"/>
-              <a:t>14/08/16</a:t>
+              <a:t>15/08/16</a:t>
             </a:fld>
             <a:endParaRPr lang="en-US"/>
           </a:p>
@@ -2424,7 +2424,7 @@
           <a:p>
             <a:fld id="{102249FA-FEA2-7D4D-AC76-40225418C04C}" type="datetimeFigureOut">
               <a:rPr lang="en-US" smtClean="0"/>
-              <a:t>14/08/16</a:t>
+              <a:t>15/08/16</a:t>
             </a:fld>
             <a:endParaRPr lang="en-US"/>
           </a:p>
@@ -2701,7 +2701,7 @@
           <a:p>
             <a:fld id="{102249FA-FEA2-7D4D-AC76-40225418C04C}" type="datetimeFigureOut">
               <a:rPr lang="en-US" smtClean="0"/>
-              <a:t>14/08/16</a:t>
+              <a:t>15/08/16</a:t>
             </a:fld>
             <a:endParaRPr lang="en-US"/>
           </a:p>
@@ -2954,7 +2954,7 @@
           <a:p>
             <a:fld id="{102249FA-FEA2-7D4D-AC76-40225418C04C}" type="datetimeFigureOut">
               <a:rPr lang="en-US" smtClean="0"/>
-              <a:t>14/08/16</a:t>
+              <a:t>15/08/16</a:t>
             </a:fld>
             <a:endParaRPr lang="en-US"/>
           </a:p>
@@ -3167,7 +3167,7 @@
           <a:p>
             <a:fld id="{102249FA-FEA2-7D4D-AC76-40225418C04C}" type="datetimeFigureOut">
               <a:rPr lang="en-US" smtClean="0"/>
-              <a:t>14/08/16</a:t>
+              <a:t>15/08/16</a:t>
             </a:fld>
             <a:endParaRPr lang="en-US"/>
           </a:p>
@@ -4444,7 +4444,6 @@
                 <a:rPr lang="en-US" sz="1600" dirty="0"/>
                 <a:t>2</a:t>
               </a:r>
-              <a:endParaRPr lang="en-US" sz="1600" dirty="0"/>
             </a:p>
           </p:txBody>
         </p:sp>
@@ -5087,6 +5086,96 @@
           </p:style>
         </p:cxnSp>
       </p:grpSp>
+      <p:sp>
+        <p:nvSpPr>
+          <p:cNvPr id="2" name="TextBox 1"/>
+          <p:cNvSpPr txBox="1"/>
+          <p:nvPr/>
+        </p:nvSpPr>
+        <p:spPr>
+          <a:xfrm>
+            <a:off x="6332493" y="464223"/>
+            <a:ext cx="421434" cy="276999"/>
+          </a:xfrm>
+          <a:prstGeom prst="rect">
+            <a:avLst/>
+          </a:prstGeom>
+          <a:noFill/>
+        </p:spPr>
+        <p:txBody>
+          <a:bodyPr wrap="none" rtlCol="0">
+            <a:spAutoFit/>
+          </a:bodyPr>
+          <a:lstStyle/>
+          <a:p>
+            <a:r>
+              <a:rPr lang="en-US" sz="1200" dirty="0" smtClean="0"/>
+              <a:t>1/N</a:t>
+            </a:r>
+            <a:endParaRPr lang="en-US" sz="1200" dirty="0"/>
+          </a:p>
+        </p:txBody>
+      </p:sp>
+      <p:sp>
+        <p:nvSpPr>
+          <p:cNvPr id="37" name="TextBox 36"/>
+          <p:cNvSpPr txBox="1"/>
+          <p:nvPr/>
+        </p:nvSpPr>
+        <p:spPr>
+          <a:xfrm>
+            <a:off x="4884353" y="467695"/>
+            <a:ext cx="421434" cy="276999"/>
+          </a:xfrm>
+          <a:prstGeom prst="rect">
+            <a:avLst/>
+          </a:prstGeom>
+          <a:noFill/>
+        </p:spPr>
+        <p:txBody>
+          <a:bodyPr wrap="none" rtlCol="0">
+            <a:spAutoFit/>
+          </a:bodyPr>
+          <a:lstStyle/>
+          <a:p>
+            <a:r>
+              <a:rPr lang="en-US" sz="1200" dirty="0" smtClean="0"/>
+              <a:t>1/N</a:t>
+            </a:r>
+            <a:endParaRPr lang="en-US" sz="1200" dirty="0"/>
+          </a:p>
+        </p:txBody>
+      </p:sp>
+      <p:sp>
+        <p:nvSpPr>
+          <p:cNvPr id="39" name="TextBox 38"/>
+          <p:cNvSpPr txBox="1"/>
+          <p:nvPr/>
+        </p:nvSpPr>
+        <p:spPr>
+          <a:xfrm>
+            <a:off x="4975440" y="1215707"/>
+            <a:ext cx="421434" cy="276999"/>
+          </a:xfrm>
+          <a:prstGeom prst="rect">
+            <a:avLst/>
+          </a:prstGeom>
+          <a:noFill/>
+        </p:spPr>
+        <p:txBody>
+          <a:bodyPr wrap="none" rtlCol="0">
+            <a:spAutoFit/>
+          </a:bodyPr>
+          <a:lstStyle/>
+          <a:p>
+            <a:r>
+              <a:rPr lang="en-US" sz="1200" dirty="0" smtClean="0"/>
+              <a:t>1/N</a:t>
+            </a:r>
+            <a:endParaRPr lang="en-US" sz="1200" dirty="0"/>
+          </a:p>
+        </p:txBody>
+      </p:sp>
     </p:spTree>
     <p:extLst>
       <p:ext uri="{BB962C8B-B14F-4D97-AF65-F5344CB8AC3E}">

--- a/Figs/aartfaac_control_system.pptx
+++ b/Figs/aartfaac_control_system.pptx
@@ -5173,6 +5173,44 @@
               <a:t>1/N</a:t>
             </a:r>
             <a:endParaRPr lang="en-US" sz="1200" dirty="0"/>
+          </a:p>
+        </p:txBody>
+      </p:sp>
+      <p:sp>
+        <p:nvSpPr>
+          <p:cNvPr id="3" name="TextBox 2"/>
+          <p:cNvSpPr txBox="1"/>
+          <p:nvPr/>
+        </p:nvSpPr>
+        <p:spPr>
+          <a:xfrm>
+            <a:off x="2631074" y="210293"/>
+            <a:ext cx="473808" cy="276999"/>
+          </a:xfrm>
+          <a:prstGeom prst="rect">
+            <a:avLst/>
+          </a:prstGeom>
+          <a:noFill/>
+        </p:spPr>
+        <p:txBody>
+          <a:bodyPr wrap="none" rtlCol="0">
+            <a:spAutoFit/>
+          </a:bodyPr>
+          <a:lstStyle/>
+          <a:p>
+            <a:r>
+              <a:rPr lang="en-US" sz="1200" dirty="0" smtClean="0">
+                <a:solidFill>
+                  <a:srgbClr val="595959"/>
+                </a:solidFill>
+              </a:rPr>
+              <a:t>User</a:t>
+            </a:r>
+            <a:endParaRPr lang="en-US" sz="1200" dirty="0">
+              <a:solidFill>
+                <a:srgbClr val="595959"/>
+              </a:solidFill>
+            </a:endParaRPr>
           </a:p>
         </p:txBody>
       </p:sp>
